--- a/Vildland-presentation.pptx
+++ b/Vildland-presentation.pptx
@@ -9,7 +9,6 @@
     <p:sldId id="257" r:id="rId3"/>
     <p:sldId id="258" r:id="rId4"/>
     <p:sldId id="260" r:id="rId5"/>
-    <p:sldId id="259" r:id="rId6"/>
   </p:sldIdLst>
   <p:sldSz cx="12192000" cy="6858000"/>
   <p:notesSz cx="6858000" cy="9144000"/>
@@ -4072,10 +4071,441 @@
             </a:endParaRPr>
           </a:p>
           <a:p>
+            <a:pPr marL="0" indent="0">
+              <a:buNone/>
+            </a:pPr>
             <a:endParaRPr lang="sv-SE" dirty="0"/>
           </a:p>
         </p:txBody>
       </p:sp>
+      <p:pic>
+        <p:nvPicPr>
+          <p:cNvPr id="5" name="Picture 4" descr="A box with different colored cubes&#10;&#10;Description automatically generated">
+            <a:extLst>
+              <a:ext uri="{FF2B5EF4-FFF2-40B4-BE49-F238E27FC236}">
+                <a16:creationId xmlns:a16="http://schemas.microsoft.com/office/drawing/2014/main" id="{1EDB12C2-6917-0B5A-7BE0-0BBD57DA5F32}"/>
+              </a:ext>
+            </a:extLst>
+          </p:cNvPr>
+          <p:cNvPicPr>
+            <a:picLocks noChangeAspect="1"/>
+          </p:cNvPicPr>
+          <p:nvPr/>
+        </p:nvPicPr>
+        <p:blipFill>
+          <a:blip r:embed="rId2">
+            <a:extLst>
+              <a:ext uri="{28A0092B-C50C-407E-A947-70E740481C1C}">
+                <a14:useLocalDpi xmlns:a14="http://schemas.microsoft.com/office/drawing/2010/main" val="0"/>
+              </a:ext>
+              <a:ext uri="{837473B0-CC2E-450A-ABE3-18F120FF3D39}">
+                <a1611:picAttrSrcUrl xmlns:a1611="http://schemas.microsoft.com/office/drawing/2016/11/main" r:id="rId3"/>
+              </a:ext>
+            </a:extLst>
+          </a:blip>
+          <a:stretch>
+            <a:fillRect/>
+          </a:stretch>
+        </p:blipFill>
+        <p:spPr>
+          <a:xfrm>
+            <a:off x="3744875" y="872331"/>
+            <a:ext cx="1044651" cy="953294"/>
+          </a:xfrm>
+          <a:prstGeom prst="rect">
+            <a:avLst/>
+          </a:prstGeom>
+        </p:spPr>
+      </p:pic>
+      <p:sp>
+        <p:nvSpPr>
+          <p:cNvPr id="9" name="TextBox 8">
+            <a:extLst>
+              <a:ext uri="{FF2B5EF4-FFF2-40B4-BE49-F238E27FC236}">
+                <a16:creationId xmlns:a16="http://schemas.microsoft.com/office/drawing/2014/main" id="{695E42D8-F5D5-BF77-62B9-E89941407521}"/>
+              </a:ext>
+            </a:extLst>
+          </p:cNvPr>
+          <p:cNvSpPr txBox="1"/>
+          <p:nvPr/>
+        </p:nvSpPr>
+        <p:spPr>
+          <a:xfrm>
+            <a:off x="3047163" y="3246846"/>
+            <a:ext cx="6094324" cy="369332"/>
+          </a:xfrm>
+          <a:prstGeom prst="rect">
+            <a:avLst/>
+          </a:prstGeom>
+          <a:noFill/>
+        </p:spPr>
+        <p:txBody>
+          <a:bodyPr wrap="square">
+            <a:spAutoFit/>
+          </a:bodyPr>
+          <a:lstStyle/>
+          <a:p>
+            <a:endParaRPr lang="sv-SE" dirty="0"/>
+          </a:p>
+        </p:txBody>
+      </p:sp>
+      <p:pic>
+        <p:nvPicPr>
+          <p:cNvPr id="11" name="Picture 10" descr="A person fishing on the water&#10;&#10;Description automatically generated">
+            <a:extLst>
+              <a:ext uri="{FF2B5EF4-FFF2-40B4-BE49-F238E27FC236}">
+                <a16:creationId xmlns:a16="http://schemas.microsoft.com/office/drawing/2014/main" id="{05EE3BC6-905D-7244-21B5-04ECFD200C57}"/>
+              </a:ext>
+            </a:extLst>
+          </p:cNvPr>
+          <p:cNvPicPr>
+            <a:picLocks noChangeAspect="1"/>
+          </p:cNvPicPr>
+          <p:nvPr/>
+        </p:nvPicPr>
+        <p:blipFill>
+          <a:blip r:embed="rId4">
+            <a:extLst>
+              <a:ext uri="{28A0092B-C50C-407E-A947-70E740481C1C}">
+                <a14:useLocalDpi xmlns:a14="http://schemas.microsoft.com/office/drawing/2010/main" val="0"/>
+              </a:ext>
+              <a:ext uri="{837473B0-CC2E-450A-ABE3-18F120FF3D39}">
+                <a1611:picAttrSrcUrl xmlns:a1611="http://schemas.microsoft.com/office/drawing/2016/11/main" r:id="rId5"/>
+              </a:ext>
+            </a:extLst>
+          </a:blip>
+          <a:stretch>
+            <a:fillRect/>
+          </a:stretch>
+        </p:blipFill>
+        <p:spPr>
+          <a:xfrm flipH="1">
+            <a:off x="8751044" y="2817703"/>
+            <a:ext cx="910041" cy="611297"/>
+          </a:xfrm>
+          <a:prstGeom prst="rect">
+            <a:avLst/>
+          </a:prstGeom>
+        </p:spPr>
+      </p:pic>
+      <p:pic>
+        <p:nvPicPr>
+          <p:cNvPr id="15" name="Picture 14" descr="A fishing rod with a handle&#10;&#10;Description automatically generated">
+            <a:extLst>
+              <a:ext uri="{FF2B5EF4-FFF2-40B4-BE49-F238E27FC236}">
+                <a16:creationId xmlns:a16="http://schemas.microsoft.com/office/drawing/2014/main" id="{061F89F0-9A0E-06EE-7C78-1667CA880096}"/>
+              </a:ext>
+            </a:extLst>
+          </p:cNvPr>
+          <p:cNvPicPr>
+            <a:picLocks noChangeAspect="1"/>
+          </p:cNvPicPr>
+          <p:nvPr/>
+        </p:nvPicPr>
+        <p:blipFill>
+          <a:blip r:embed="rId6">
+            <a:extLst>
+              <a:ext uri="{28A0092B-C50C-407E-A947-70E740481C1C}">
+                <a14:useLocalDpi xmlns:a14="http://schemas.microsoft.com/office/drawing/2010/main" val="0"/>
+              </a:ext>
+              <a:ext uri="{837473B0-CC2E-450A-ABE3-18F120FF3D39}">
+                <a1611:picAttrSrcUrl xmlns:a1611="http://schemas.microsoft.com/office/drawing/2016/11/main" r:id="rId7"/>
+              </a:ext>
+            </a:extLst>
+          </a:blip>
+          <a:stretch>
+            <a:fillRect/>
+          </a:stretch>
+        </p:blipFill>
+        <p:spPr>
+          <a:xfrm>
+            <a:off x="9794563" y="3510259"/>
+            <a:ext cx="596201" cy="447151"/>
+          </a:xfrm>
+          <a:prstGeom prst="rect">
+            <a:avLst/>
+          </a:prstGeom>
+        </p:spPr>
+      </p:pic>
+      <p:pic>
+        <p:nvPicPr>
+          <p:cNvPr id="17" name="Picture 16" descr="A green rubber boot with a sole&#10;&#10;Description automatically generated">
+            <a:extLst>
+              <a:ext uri="{FF2B5EF4-FFF2-40B4-BE49-F238E27FC236}">
+                <a16:creationId xmlns:a16="http://schemas.microsoft.com/office/drawing/2014/main" id="{5079347D-3B77-5BCD-2C6E-597CA52A6F01}"/>
+              </a:ext>
+            </a:extLst>
+          </p:cNvPr>
+          <p:cNvPicPr>
+            <a:picLocks noChangeAspect="1"/>
+          </p:cNvPicPr>
+          <p:nvPr/>
+        </p:nvPicPr>
+        <p:blipFill>
+          <a:blip r:embed="rId8">
+            <a:extLst>
+              <a:ext uri="{28A0092B-C50C-407E-A947-70E740481C1C}">
+                <a14:useLocalDpi xmlns:a14="http://schemas.microsoft.com/office/drawing/2010/main" val="0"/>
+              </a:ext>
+              <a:ext uri="{837473B0-CC2E-450A-ABE3-18F120FF3D39}">
+                <a1611:picAttrSrcUrl xmlns:a1611="http://schemas.microsoft.com/office/drawing/2016/11/main" r:id="rId9"/>
+              </a:ext>
+            </a:extLst>
+          </a:blip>
+          <a:stretch>
+            <a:fillRect/>
+          </a:stretch>
+        </p:blipFill>
+        <p:spPr>
+          <a:xfrm rot="20920504">
+            <a:off x="9928511" y="2454825"/>
+            <a:ext cx="946288" cy="946288"/>
+          </a:xfrm>
+          <a:prstGeom prst="rect">
+            <a:avLst/>
+          </a:prstGeom>
+        </p:spPr>
+      </p:pic>
+      <p:pic>
+        <p:nvPicPr>
+          <p:cNvPr id="20" name="Picture 19" descr="A colorful fishing lure with hooks&#10;&#10;Description automatically generated">
+            <a:extLst>
+              <a:ext uri="{FF2B5EF4-FFF2-40B4-BE49-F238E27FC236}">
+                <a16:creationId xmlns:a16="http://schemas.microsoft.com/office/drawing/2014/main" id="{B5A8B7E9-E180-76D1-094B-34C4A951E696}"/>
+              </a:ext>
+            </a:extLst>
+          </p:cNvPr>
+          <p:cNvPicPr>
+            <a:picLocks noChangeAspect="1"/>
+          </p:cNvPicPr>
+          <p:nvPr/>
+        </p:nvPicPr>
+        <p:blipFill>
+          <a:blip r:embed="rId10">
+            <a:extLst>
+              <a:ext uri="{28A0092B-C50C-407E-A947-70E740481C1C}">
+                <a14:useLocalDpi xmlns:a14="http://schemas.microsoft.com/office/drawing/2010/main" val="0"/>
+              </a:ext>
+              <a:ext uri="{837473B0-CC2E-450A-ABE3-18F120FF3D39}">
+                <a1611:picAttrSrcUrl xmlns:a1611="http://schemas.microsoft.com/office/drawing/2016/11/main" r:id="rId11"/>
+              </a:ext>
+            </a:extLst>
+          </a:blip>
+          <a:stretch>
+            <a:fillRect/>
+          </a:stretch>
+        </p:blipFill>
+        <p:spPr>
+          <a:xfrm>
+            <a:off x="8931872" y="3745375"/>
+            <a:ext cx="679503" cy="453223"/>
+          </a:xfrm>
+          <a:prstGeom prst="rect">
+            <a:avLst/>
+          </a:prstGeom>
+        </p:spPr>
+      </p:pic>
+      <p:cxnSp>
+        <p:nvCxnSpPr>
+          <p:cNvPr id="23" name="Straight Arrow Connector 22">
+            <a:extLst>
+              <a:ext uri="{FF2B5EF4-FFF2-40B4-BE49-F238E27FC236}">
+                <a16:creationId xmlns:a16="http://schemas.microsoft.com/office/drawing/2014/main" id="{F711AA4A-4FC6-50CE-A025-8C1E54A84DF6}"/>
+              </a:ext>
+            </a:extLst>
+          </p:cNvPr>
+          <p:cNvCxnSpPr>
+            <a:cxnSpLocks/>
+          </p:cNvCxnSpPr>
+          <p:nvPr/>
+        </p:nvCxnSpPr>
+        <p:spPr>
+          <a:xfrm flipV="1">
+            <a:off x="9661085" y="3246846"/>
+            <a:ext cx="410567" cy="182154"/>
+          </a:xfrm>
+          <a:prstGeom prst="straightConnector1">
+            <a:avLst/>
+          </a:prstGeom>
+          <a:ln w="38100">
+            <a:tailEnd type="triangle"/>
+          </a:ln>
+        </p:spPr>
+        <p:style>
+          <a:lnRef idx="1">
+            <a:schemeClr val="dk1"/>
+          </a:lnRef>
+          <a:fillRef idx="0">
+            <a:schemeClr val="dk1"/>
+          </a:fillRef>
+          <a:effectRef idx="0">
+            <a:schemeClr val="dk1"/>
+          </a:effectRef>
+          <a:fontRef idx="minor">
+            <a:schemeClr val="tx1"/>
+          </a:fontRef>
+        </p:style>
+      </p:cxnSp>
+      <p:cxnSp>
+        <p:nvCxnSpPr>
+          <p:cNvPr id="24" name="Straight Arrow Connector 23">
+            <a:extLst>
+              <a:ext uri="{FF2B5EF4-FFF2-40B4-BE49-F238E27FC236}">
+                <a16:creationId xmlns:a16="http://schemas.microsoft.com/office/drawing/2014/main" id="{41AF1F18-DBCD-B926-CBE5-2A20B3470F6C}"/>
+              </a:ext>
+            </a:extLst>
+          </p:cNvPr>
+          <p:cNvCxnSpPr>
+            <a:cxnSpLocks/>
+          </p:cNvCxnSpPr>
+          <p:nvPr/>
+        </p:nvCxnSpPr>
+        <p:spPr>
+          <a:xfrm>
+            <a:off x="9661085" y="3454445"/>
+            <a:ext cx="152400" cy="109492"/>
+          </a:xfrm>
+          <a:prstGeom prst="straightConnector1">
+            <a:avLst/>
+          </a:prstGeom>
+          <a:ln w="38100">
+            <a:tailEnd type="triangle"/>
+          </a:ln>
+        </p:spPr>
+        <p:style>
+          <a:lnRef idx="1">
+            <a:schemeClr val="dk1"/>
+          </a:lnRef>
+          <a:fillRef idx="0">
+            <a:schemeClr val="dk1"/>
+          </a:fillRef>
+          <a:effectRef idx="0">
+            <a:schemeClr val="dk1"/>
+          </a:effectRef>
+          <a:fontRef idx="minor">
+            <a:schemeClr val="tx1"/>
+          </a:fontRef>
+        </p:style>
+      </p:cxnSp>
+      <p:cxnSp>
+        <p:nvCxnSpPr>
+          <p:cNvPr id="29" name="Straight Arrow Connector 28">
+            <a:extLst>
+              <a:ext uri="{FF2B5EF4-FFF2-40B4-BE49-F238E27FC236}">
+                <a16:creationId xmlns:a16="http://schemas.microsoft.com/office/drawing/2014/main" id="{0CBA2049-73AC-BC98-7DBD-2EA7BB198527}"/>
+              </a:ext>
+            </a:extLst>
+          </p:cNvPr>
+          <p:cNvCxnSpPr>
+            <a:cxnSpLocks/>
+          </p:cNvCxnSpPr>
+          <p:nvPr/>
+        </p:nvCxnSpPr>
+        <p:spPr>
+          <a:xfrm flipH="1">
+            <a:off x="9265785" y="3484814"/>
+            <a:ext cx="345590" cy="131364"/>
+          </a:xfrm>
+          <a:prstGeom prst="straightConnector1">
+            <a:avLst/>
+          </a:prstGeom>
+          <a:ln w="38100">
+            <a:tailEnd type="triangle"/>
+          </a:ln>
+        </p:spPr>
+        <p:style>
+          <a:lnRef idx="1">
+            <a:schemeClr val="dk1"/>
+          </a:lnRef>
+          <a:fillRef idx="0">
+            <a:schemeClr val="dk1"/>
+          </a:fillRef>
+          <a:effectRef idx="0">
+            <a:schemeClr val="dk1"/>
+          </a:effectRef>
+          <a:fontRef idx="minor">
+            <a:schemeClr val="tx1"/>
+          </a:fontRef>
+        </p:style>
+      </p:cxnSp>
+      <p:pic>
+        <p:nvPicPr>
+          <p:cNvPr id="33" name="Picture 32" descr="A child doing a backbend&#10;&#10;Description automatically generated">
+            <a:extLst>
+              <a:ext uri="{FF2B5EF4-FFF2-40B4-BE49-F238E27FC236}">
+                <a16:creationId xmlns:a16="http://schemas.microsoft.com/office/drawing/2014/main" id="{3B8383FF-1013-E6AB-47F6-0D653128F259}"/>
+              </a:ext>
+            </a:extLst>
+          </p:cNvPr>
+          <p:cNvPicPr>
+            <a:picLocks noChangeAspect="1"/>
+          </p:cNvPicPr>
+          <p:nvPr/>
+        </p:nvPicPr>
+        <p:blipFill>
+          <a:blip r:embed="rId12">
+            <a:extLst>
+              <a:ext uri="{28A0092B-C50C-407E-A947-70E740481C1C}">
+                <a14:useLocalDpi xmlns:a14="http://schemas.microsoft.com/office/drawing/2010/main" val="0"/>
+              </a:ext>
+              <a:ext uri="{837473B0-CC2E-450A-ABE3-18F120FF3D39}">
+                <a1611:picAttrSrcUrl xmlns:a1611="http://schemas.microsoft.com/office/drawing/2016/11/main" r:id="rId13"/>
+              </a:ext>
+            </a:extLst>
+          </a:blip>
+          <a:stretch>
+            <a:fillRect/>
+          </a:stretch>
+        </p:blipFill>
+        <p:spPr>
+          <a:xfrm>
+            <a:off x="5898296" y="959569"/>
+            <a:ext cx="1165114" cy="777156"/>
+          </a:xfrm>
+          <a:prstGeom prst="rect">
+            <a:avLst/>
+          </a:prstGeom>
+        </p:spPr>
+      </p:pic>
+      <p:pic>
+        <p:nvPicPr>
+          <p:cNvPr id="35" name="Picture 34" descr="A car driving on the road&#10;&#10;Description automatically generated">
+            <a:extLst>
+              <a:ext uri="{FF2B5EF4-FFF2-40B4-BE49-F238E27FC236}">
+                <a16:creationId xmlns:a16="http://schemas.microsoft.com/office/drawing/2014/main" id="{DEEBBD54-BF14-865B-ABA0-8211B930A349}"/>
+              </a:ext>
+            </a:extLst>
+          </p:cNvPr>
+          <p:cNvPicPr>
+            <a:picLocks noChangeAspect="1"/>
+          </p:cNvPicPr>
+          <p:nvPr/>
+        </p:nvPicPr>
+        <p:blipFill>
+          <a:blip r:embed="rId14">
+            <a:extLst>
+              <a:ext uri="{28A0092B-C50C-407E-A947-70E740481C1C}">
+                <a14:useLocalDpi xmlns:a14="http://schemas.microsoft.com/office/drawing/2010/main" val="0"/>
+              </a:ext>
+              <a:ext uri="{837473B0-CC2E-450A-ABE3-18F120FF3D39}">
+                <a1611:picAttrSrcUrl xmlns:a1611="http://schemas.microsoft.com/office/drawing/2016/11/main" r:id="rId15"/>
+              </a:ext>
+            </a:extLst>
+          </a:blip>
+          <a:stretch>
+            <a:fillRect/>
+          </a:stretch>
+        </p:blipFill>
+        <p:spPr>
+          <a:xfrm>
+            <a:off x="4789526" y="1055688"/>
+            <a:ext cx="1021556" cy="681037"/>
+          </a:xfrm>
+          <a:prstGeom prst="rect">
+            <a:avLst/>
+          </a:prstGeom>
+        </p:spPr>
+      </p:pic>
     </p:spTree>
     <p:extLst>
       <p:ext uri="{BB962C8B-B14F-4D97-AF65-F5344CB8AC3E}">
@@ -4180,90 +4610,6 @@
     <p:extLst>
       <p:ext uri="{BB962C8B-B14F-4D97-AF65-F5344CB8AC3E}">
         <p14:creationId xmlns:p14="http://schemas.microsoft.com/office/powerpoint/2010/main" val="2595353647"/>
-      </p:ext>
-    </p:extLst>
-  </p:cSld>
-  <p:clrMapOvr>
-    <a:masterClrMapping/>
-  </p:clrMapOvr>
-</p:sld>
-</file>
-
-<file path=ppt/slides/slide5.xml><?xml version="1.0" encoding="utf-8"?>
-<p:sld xmlns:a="http://schemas.openxmlformats.org/drawingml/2006/main" xmlns:r="http://schemas.openxmlformats.org/officeDocument/2006/relationships" xmlns:p="http://schemas.openxmlformats.org/presentationml/2006/main">
-  <p:cSld>
-    <p:spTree>
-      <p:nvGrpSpPr>
-        <p:cNvPr id="1" name=""/>
-        <p:cNvGrpSpPr/>
-        <p:nvPr/>
-      </p:nvGrpSpPr>
-      <p:grpSpPr>
-        <a:xfrm>
-          <a:off x="0" y="0"/>
-          <a:ext cx="0" cy="0"/>
-          <a:chOff x="0" y="0"/>
-          <a:chExt cx="0" cy="0"/>
-        </a:xfrm>
-      </p:grpSpPr>
-      <p:sp>
-        <p:nvSpPr>
-          <p:cNvPr id="2" name="Title 1">
-            <a:extLst>
-              <a:ext uri="{FF2B5EF4-FFF2-40B4-BE49-F238E27FC236}">
-                <a16:creationId xmlns:a16="http://schemas.microsoft.com/office/drawing/2014/main" id="{6005A507-E053-AF65-D591-C2DB5D5679C4}"/>
-              </a:ext>
-            </a:extLst>
-          </p:cNvPr>
-          <p:cNvSpPr>
-            <a:spLocks noGrp="1"/>
-          </p:cNvSpPr>
-          <p:nvPr>
-            <p:ph type="title"/>
-          </p:nvPr>
-        </p:nvSpPr>
-        <p:spPr/>
-        <p:txBody>
-          <a:bodyPr/>
-          <a:lstStyle/>
-          <a:p>
-            <a:r>
-              <a:rPr lang="sv-SE" dirty="0" err="1"/>
-              <a:t>Resurer</a:t>
-            </a:r>
-            <a:endParaRPr lang="sv-SE" dirty="0"/>
-          </a:p>
-        </p:txBody>
-      </p:sp>
-      <p:sp>
-        <p:nvSpPr>
-          <p:cNvPr id="3" name="Content Placeholder 2">
-            <a:extLst>
-              <a:ext uri="{FF2B5EF4-FFF2-40B4-BE49-F238E27FC236}">
-                <a16:creationId xmlns:a16="http://schemas.microsoft.com/office/drawing/2014/main" id="{17CB5C67-31CD-E1EF-DA7B-8A561F5CE8E7}"/>
-              </a:ext>
-            </a:extLst>
-          </p:cNvPr>
-          <p:cNvSpPr>
-            <a:spLocks noGrp="1"/>
-          </p:cNvSpPr>
-          <p:nvPr>
-            <p:ph idx="1"/>
-          </p:nvPr>
-        </p:nvSpPr>
-        <p:spPr/>
-        <p:txBody>
-          <a:bodyPr/>
-          <a:lstStyle/>
-          <a:p>
-            <a:endParaRPr lang="sv-SE"/>
-          </a:p>
-        </p:txBody>
-      </p:sp>
-    </p:spTree>
-    <p:extLst>
-      <p:ext uri="{BB962C8B-B14F-4D97-AF65-F5344CB8AC3E}">
-        <p14:creationId xmlns:p14="http://schemas.microsoft.com/office/powerpoint/2010/main" val="3957744936"/>
       </p:ext>
     </p:extLst>
   </p:cSld>
